--- a/AI Project.pptx
+++ b/AI Project.pptx
@@ -39,11 +39,11 @@
       <p:regular r:id="rId28"/>
     </p:embeddedFont>
     <p:embeddedFont>
-      <p:font typeface="Oswald" charset="1" panose="00000500000000000000"/>
+      <p:font typeface="DM Sans" charset="1" panose="00000000000000000000"/>
       <p:regular r:id="rId29"/>
     </p:embeddedFont>
     <p:embeddedFont>
-      <p:font typeface="DM Sans" charset="1" panose="00000000000000000000"/>
+      <p:font typeface="Oswald" charset="1" panose="00000500000000000000"/>
       <p:regular r:id="rId30"/>
     </p:embeddedFont>
     <p:embeddedFont>
@@ -8042,7 +8042,7 @@
         </p:nvSpPr>
         <p:spPr>
           <a:xfrm rot="0">
-            <a:off x="1465462" y="1415105"/>
+            <a:off x="3185136" y="1415105"/>
             <a:ext cx="10963502" cy="1276350"/>
           </a:xfrm>
           <a:prstGeom prst="rect">
@@ -8067,7 +8067,7 @@
                 </a:solidFill>
                 <a:latin typeface="Oswald Bold"/>
               </a:rPr>
-              <a:t>PROBLEM STATEMENT</a:t>
+              <a:t>INTRODUCTION</a:t>
             </a:r>
           </a:p>
         </p:txBody>

--- a/AI Project.pptx
+++ b/AI Project.pptx
@@ -26,33 +26,35 @@
     <p:sldId id="274" r:id="rId24"/>
     <p:sldId id="275" r:id="rId25"/>
     <p:sldId id="276" r:id="rId26"/>
+    <p:sldId id="277" r:id="rId27"/>
+    <p:sldId id="278" r:id="rId28"/>
   </p:sldIdLst>
   <p:sldSz cx="18288000" cy="10287000"/>
   <p:notesSz cx="6858000" cy="9144000"/>
   <p:embeddedFontLst>
     <p:embeddedFont>
       <p:font typeface="Oswald Bold" charset="1" panose="00000800000000000000"/>
-      <p:regular r:id="rId27"/>
+      <p:regular r:id="rId29"/>
     </p:embeddedFont>
     <p:embeddedFont>
       <p:font typeface="Montserrat Classic Bold" charset="1" panose="00000800000000000000"/>
-      <p:regular r:id="rId28"/>
+      <p:regular r:id="rId30"/>
     </p:embeddedFont>
     <p:embeddedFont>
       <p:font typeface="DM Sans" charset="1" panose="00000000000000000000"/>
-      <p:regular r:id="rId29"/>
+      <p:regular r:id="rId31"/>
     </p:embeddedFont>
     <p:embeddedFont>
       <p:font typeface="Oswald" charset="1" panose="00000500000000000000"/>
-      <p:regular r:id="rId30"/>
+      <p:regular r:id="rId32"/>
     </p:embeddedFont>
     <p:embeddedFont>
       <p:font typeface="Montserrat Light" charset="1" panose="00000400000000000000"/>
-      <p:regular r:id="rId31"/>
+      <p:regular r:id="rId33"/>
     </p:embeddedFont>
     <p:embeddedFont>
       <p:font typeface="DM Sans Italics" charset="1" panose="00000000000000000000"/>
-      <p:regular r:id="rId32"/>
+      <p:regular r:id="rId34"/>
     </p:embeddedFont>
   </p:embeddedFontLst>
   <p:defaultTextStyle>
@@ -4937,6 +4939,1139 @@
 </file>
 
 <file path=ppt/slides/slide18.xml><?xml version="1.0" encoding="utf-8"?>
+<p:sld xmlns:p="http://schemas.openxmlformats.org/presentationml/2006/main" xmlns:a="http://schemas.openxmlformats.org/drawingml/2006/main" xmlns:r="http://schemas.openxmlformats.org/officeDocument/2006/relationships">
+  <p:cSld>
+    <p:bg>
+      <p:bgPr>
+        <a:solidFill>
+          <a:srgbClr val="1A1A1A"/>
+        </a:solidFill>
+      </p:bgPr>
+    </p:bg>
+    <p:spTree>
+      <p:nvGrpSpPr>
+        <p:cNvPr id="1" name=""/>
+        <p:cNvGrpSpPr/>
+        <p:nvPr/>
+      </p:nvGrpSpPr>
+      <p:grpSpPr>
+        <a:xfrm>
+          <a:off x="0" y="0"/>
+          <a:ext cx="0" cy="0"/>
+          <a:chOff x="0" y="0"/>
+          <a:chExt cx="0" cy="0"/>
+        </a:xfrm>
+      </p:grpSpPr>
+      <p:sp>
+        <p:nvSpPr>
+          <p:cNvPr name="Freeform 2" id="2"/>
+          <p:cNvSpPr/>
+          <p:nvPr/>
+        </p:nvSpPr>
+        <p:spPr>
+          <a:xfrm flipH="false" flipV="false" rot="0">
+            <a:off x="4168441" y="2158165"/>
+            <a:ext cx="9951118" cy="5970671"/>
+          </a:xfrm>
+          <a:custGeom>
+            <a:avLst/>
+            <a:gdLst/>
+            <a:ahLst/>
+            <a:cxnLst/>
+            <a:rect r="r" b="b" t="t" l="l"/>
+            <a:pathLst>
+              <a:path h="5970671" w="9951118">
+                <a:moveTo>
+                  <a:pt x="0" y="0"/>
+                </a:moveTo>
+                <a:lnTo>
+                  <a:pt x="9951118" y="0"/>
+                </a:lnTo>
+                <a:lnTo>
+                  <a:pt x="9951118" y="5970670"/>
+                </a:lnTo>
+                <a:lnTo>
+                  <a:pt x="0" y="5970670"/>
+                </a:lnTo>
+                <a:lnTo>
+                  <a:pt x="0" y="0"/>
+                </a:lnTo>
+                <a:close/>
+              </a:path>
+            </a:pathLst>
+          </a:custGeom>
+          <a:blipFill>
+            <a:blip r:embed="rId2"/>
+            <a:stretch>
+              <a:fillRect l="0" t="0" r="0" b="0"/>
+            </a:stretch>
+          </a:blipFill>
+        </p:spPr>
+      </p:sp>
+      <p:sp>
+        <p:nvSpPr>
+          <p:cNvPr name="Freeform 3" id="3"/>
+          <p:cNvSpPr/>
+          <p:nvPr/>
+        </p:nvSpPr>
+        <p:spPr>
+          <a:xfrm flipH="false" flipV="false" rot="0">
+            <a:off x="3261670" y="1614102"/>
+            <a:ext cx="11764659" cy="7058795"/>
+          </a:xfrm>
+          <a:custGeom>
+            <a:avLst/>
+            <a:gdLst/>
+            <a:ahLst/>
+            <a:cxnLst/>
+            <a:rect r="r" b="b" t="t" l="l"/>
+            <a:pathLst>
+              <a:path h="7058795" w="11764659">
+                <a:moveTo>
+                  <a:pt x="0" y="0"/>
+                </a:moveTo>
+                <a:lnTo>
+                  <a:pt x="11764660" y="0"/>
+                </a:lnTo>
+                <a:lnTo>
+                  <a:pt x="11764660" y="7058796"/>
+                </a:lnTo>
+                <a:lnTo>
+                  <a:pt x="0" y="7058796"/>
+                </a:lnTo>
+                <a:lnTo>
+                  <a:pt x="0" y="0"/>
+                </a:lnTo>
+                <a:close/>
+              </a:path>
+            </a:pathLst>
+          </a:custGeom>
+          <a:blipFill>
+            <a:blip r:embed="rId2"/>
+            <a:stretch>
+              <a:fillRect l="0" t="0" r="0" b="0"/>
+            </a:stretch>
+          </a:blipFill>
+        </p:spPr>
+      </p:sp>
+      <p:sp>
+        <p:nvSpPr>
+          <p:cNvPr name="TextBox 4" id="4"/>
+          <p:cNvSpPr txBox="true"/>
+          <p:nvPr/>
+        </p:nvSpPr>
+        <p:spPr>
+          <a:xfrm rot="0">
+            <a:off x="7229252" y="687387"/>
+            <a:ext cx="3829496" cy="644525"/>
+          </a:xfrm>
+          <a:prstGeom prst="rect">
+            <a:avLst/>
+          </a:prstGeom>
+        </p:spPr>
+        <p:txBody>
+          <a:bodyPr anchor="t" rtlCol="false" tIns="0" lIns="0" bIns="0" rIns="0">
+            <a:spAutoFit/>
+          </a:bodyPr>
+          <a:lstStyle/>
+          <a:p>
+            <a:pPr algn="ctr">
+              <a:lnSpc>
+                <a:spcPts val="5199"/>
+              </a:lnSpc>
+              <a:spcBef>
+                <a:spcPct val="0"/>
+              </a:spcBef>
+            </a:pPr>
+            <a:r>
+              <a:rPr lang="en-US" sz="3999">
+                <a:solidFill>
+                  <a:srgbClr val="FFFBFB"/>
+                </a:solidFill>
+                <a:latin typeface="Oswald Bold"/>
+              </a:rPr>
+              <a:t>MODEL V11-3 LOSS</a:t>
+            </a:r>
+          </a:p>
+        </p:txBody>
+      </p:sp>
+    </p:spTree>
+  </p:cSld>
+  <p:clrMapOvr>
+    <a:masterClrMapping/>
+  </p:clrMapOvr>
+</p:sld>
+</file>
+
+<file path=ppt/slides/slide19.xml><?xml version="1.0" encoding="utf-8"?>
+<p:sld xmlns:p="http://schemas.openxmlformats.org/presentationml/2006/main" xmlns:a="http://schemas.openxmlformats.org/drawingml/2006/main" xmlns:r="http://schemas.openxmlformats.org/officeDocument/2006/relationships">
+  <p:cSld>
+    <p:bg>
+      <p:bgPr>
+        <a:solidFill>
+          <a:srgbClr val="1A1A1A"/>
+        </a:solidFill>
+      </p:bgPr>
+    </p:bg>
+    <p:spTree>
+      <p:nvGrpSpPr>
+        <p:cNvPr id="1" name=""/>
+        <p:cNvGrpSpPr/>
+        <p:nvPr/>
+      </p:nvGrpSpPr>
+      <p:grpSpPr>
+        <a:xfrm>
+          <a:off x="0" y="0"/>
+          <a:ext cx="0" cy="0"/>
+          <a:chOff x="0" y="0"/>
+          <a:chExt cx="0" cy="0"/>
+        </a:xfrm>
+      </p:grpSpPr>
+      <p:sp>
+        <p:nvSpPr>
+          <p:cNvPr name="Freeform 2" id="2"/>
+          <p:cNvSpPr/>
+          <p:nvPr/>
+        </p:nvSpPr>
+        <p:spPr>
+          <a:xfrm flipH="false" flipV="false" rot="0">
+            <a:off x="3261670" y="1614102"/>
+            <a:ext cx="11764659" cy="7058795"/>
+          </a:xfrm>
+          <a:custGeom>
+            <a:avLst/>
+            <a:gdLst/>
+            <a:ahLst/>
+            <a:cxnLst/>
+            <a:rect r="r" b="b" t="t" l="l"/>
+            <a:pathLst>
+              <a:path h="7058795" w="11764659">
+                <a:moveTo>
+                  <a:pt x="0" y="0"/>
+                </a:moveTo>
+                <a:lnTo>
+                  <a:pt x="11764660" y="0"/>
+                </a:lnTo>
+                <a:lnTo>
+                  <a:pt x="11764660" y="7058796"/>
+                </a:lnTo>
+                <a:lnTo>
+                  <a:pt x="0" y="7058796"/>
+                </a:lnTo>
+                <a:lnTo>
+                  <a:pt x="0" y="0"/>
+                </a:lnTo>
+                <a:close/>
+              </a:path>
+            </a:pathLst>
+          </a:custGeom>
+          <a:blipFill>
+            <a:blip r:embed="rId2"/>
+            <a:stretch>
+              <a:fillRect l="0" t="0" r="0" b="0"/>
+            </a:stretch>
+          </a:blipFill>
+        </p:spPr>
+      </p:sp>
+      <p:sp>
+        <p:nvSpPr>
+          <p:cNvPr name="Freeform 3" id="3"/>
+          <p:cNvSpPr/>
+          <p:nvPr/>
+        </p:nvSpPr>
+        <p:spPr>
+          <a:xfrm flipH="false" flipV="false" rot="0">
+            <a:off x="3261670" y="1614102"/>
+            <a:ext cx="11764659" cy="7058795"/>
+          </a:xfrm>
+          <a:custGeom>
+            <a:avLst/>
+            <a:gdLst/>
+            <a:ahLst/>
+            <a:cxnLst/>
+            <a:rect r="r" b="b" t="t" l="l"/>
+            <a:pathLst>
+              <a:path h="7058795" w="11764659">
+                <a:moveTo>
+                  <a:pt x="0" y="0"/>
+                </a:moveTo>
+                <a:lnTo>
+                  <a:pt x="11764660" y="0"/>
+                </a:lnTo>
+                <a:lnTo>
+                  <a:pt x="11764660" y="7058796"/>
+                </a:lnTo>
+                <a:lnTo>
+                  <a:pt x="0" y="7058796"/>
+                </a:lnTo>
+                <a:lnTo>
+                  <a:pt x="0" y="0"/>
+                </a:lnTo>
+                <a:close/>
+              </a:path>
+            </a:pathLst>
+          </a:custGeom>
+          <a:blipFill>
+            <a:blip r:embed="rId3"/>
+            <a:stretch>
+              <a:fillRect l="-5111" t="-7832" r="-6493" b="-3772"/>
+            </a:stretch>
+          </a:blipFill>
+        </p:spPr>
+      </p:sp>
+      <p:sp>
+        <p:nvSpPr>
+          <p:cNvPr name="TextBox 4" id="4"/>
+          <p:cNvSpPr txBox="true"/>
+          <p:nvPr/>
+        </p:nvSpPr>
+        <p:spPr>
+          <a:xfrm rot="0">
+            <a:off x="6615931" y="687387"/>
+            <a:ext cx="5056138" cy="644525"/>
+          </a:xfrm>
+          <a:prstGeom prst="rect">
+            <a:avLst/>
+          </a:prstGeom>
+        </p:spPr>
+        <p:txBody>
+          <a:bodyPr anchor="t" rtlCol="false" tIns="0" lIns="0" bIns="0" rIns="0">
+            <a:spAutoFit/>
+          </a:bodyPr>
+          <a:lstStyle/>
+          <a:p>
+            <a:pPr algn="ctr">
+              <a:lnSpc>
+                <a:spcPts val="5199"/>
+              </a:lnSpc>
+              <a:spcBef>
+                <a:spcPct val="0"/>
+              </a:spcBef>
+            </a:pPr>
+            <a:r>
+              <a:rPr lang="en-US" sz="3999">
+                <a:solidFill>
+                  <a:srgbClr val="FFFBFB"/>
+                </a:solidFill>
+                <a:latin typeface="Oswald Bold"/>
+              </a:rPr>
+              <a:t>MODEL V11-3 ACCURACY</a:t>
+            </a:r>
+          </a:p>
+        </p:txBody>
+      </p:sp>
+    </p:spTree>
+  </p:cSld>
+  <p:clrMapOvr>
+    <a:masterClrMapping/>
+  </p:clrMapOvr>
+</p:sld>
+</file>
+
+<file path=ppt/slides/slide2.xml><?xml version="1.0" encoding="utf-8"?>
+<p:sld xmlns:p="http://schemas.openxmlformats.org/presentationml/2006/main" xmlns:a="http://schemas.openxmlformats.org/drawingml/2006/main" xmlns:r="http://schemas.openxmlformats.org/officeDocument/2006/relationships">
+  <p:cSld>
+    <p:bg>
+      <p:bgPr>
+        <a:solidFill>
+          <a:srgbClr val="F2F4F5"/>
+        </a:solidFill>
+      </p:bgPr>
+    </p:bg>
+    <p:spTree>
+      <p:nvGrpSpPr>
+        <p:cNvPr id="1" name=""/>
+        <p:cNvGrpSpPr/>
+        <p:nvPr/>
+      </p:nvGrpSpPr>
+      <p:grpSpPr>
+        <a:xfrm>
+          <a:off x="0" y="0"/>
+          <a:ext cx="0" cy="0"/>
+          <a:chOff x="0" y="0"/>
+          <a:chExt cx="0" cy="0"/>
+        </a:xfrm>
+      </p:grpSpPr>
+      <p:sp>
+        <p:nvSpPr>
+          <p:cNvPr name="Freeform 2" id="2"/>
+          <p:cNvSpPr/>
+          <p:nvPr/>
+        </p:nvSpPr>
+        <p:spPr>
+          <a:xfrm flipH="false" flipV="false" rot="7659121">
+            <a:off x="-4012602" y="5585714"/>
+            <a:ext cx="7629294" cy="7828566"/>
+          </a:xfrm>
+          <a:custGeom>
+            <a:avLst/>
+            <a:gdLst/>
+            <a:ahLst/>
+            <a:cxnLst/>
+            <a:rect r="r" b="b" t="t" l="l"/>
+            <a:pathLst>
+              <a:path h="7828566" w="7629294">
+                <a:moveTo>
+                  <a:pt x="0" y="0"/>
+                </a:moveTo>
+                <a:lnTo>
+                  <a:pt x="7629294" y="0"/>
+                </a:lnTo>
+                <a:lnTo>
+                  <a:pt x="7629294" y="7828566"/>
+                </a:lnTo>
+                <a:lnTo>
+                  <a:pt x="0" y="7828566"/>
+                </a:lnTo>
+                <a:lnTo>
+                  <a:pt x="0" y="0"/>
+                </a:lnTo>
+                <a:close/>
+              </a:path>
+            </a:pathLst>
+          </a:custGeom>
+          <a:blipFill>
+            <a:blip r:embed="rId2">
+              <a:extLst>
+                <a:ext uri="{96DAC541-7B7A-43D3-8B79-37D633B846F1}">
+                  <asvg:svgBlip xmlns:asvg="http://schemas.microsoft.com/office/drawing/2016/SVG/main" r:embed="rId3"/>
+                </a:ext>
+              </a:extLst>
+            </a:blip>
+            <a:stretch>
+              <a:fillRect l="0" t="0" r="0" b="0"/>
+            </a:stretch>
+          </a:blipFill>
+        </p:spPr>
+      </p:sp>
+      <p:grpSp>
+        <p:nvGrpSpPr>
+          <p:cNvPr name="Group 3" id="3"/>
+          <p:cNvGrpSpPr/>
+          <p:nvPr/>
+        </p:nvGrpSpPr>
+        <p:grpSpPr>
+          <a:xfrm rot="0">
+            <a:off x="5019320" y="3541828"/>
+            <a:ext cx="1400485" cy="6119112"/>
+            <a:chOff x="0" y="0"/>
+            <a:chExt cx="368852" cy="1611618"/>
+          </a:xfrm>
+        </p:grpSpPr>
+        <p:sp>
+          <p:nvSpPr>
+            <p:cNvPr name="Freeform 4" id="4"/>
+            <p:cNvSpPr/>
+            <p:nvPr/>
+          </p:nvSpPr>
+          <p:spPr>
+            <a:xfrm flipH="false" flipV="false" rot="0">
+              <a:off x="0" y="0"/>
+              <a:ext cx="368852" cy="1611618"/>
+            </a:xfrm>
+            <a:custGeom>
+              <a:avLst/>
+              <a:gdLst/>
+              <a:ahLst/>
+              <a:cxnLst/>
+              <a:rect r="r" b="b" t="t" l="l"/>
+              <a:pathLst>
+                <a:path h="1611618" w="368852">
+                  <a:moveTo>
+                    <a:pt x="0" y="0"/>
+                  </a:moveTo>
+                  <a:lnTo>
+                    <a:pt x="368852" y="0"/>
+                  </a:lnTo>
+                  <a:lnTo>
+                    <a:pt x="368852" y="1611618"/>
+                  </a:lnTo>
+                  <a:lnTo>
+                    <a:pt x="0" y="1611618"/>
+                  </a:lnTo>
+                  <a:close/>
+                </a:path>
+              </a:pathLst>
+            </a:custGeom>
+            <a:solidFill>
+              <a:srgbClr val="CCCCCC"/>
+            </a:solidFill>
+          </p:spPr>
+        </p:sp>
+        <p:sp>
+          <p:nvSpPr>
+            <p:cNvPr name="TextBox 5" id="5"/>
+            <p:cNvSpPr txBox="true"/>
+            <p:nvPr/>
+          </p:nvSpPr>
+          <p:spPr>
+            <a:xfrm>
+              <a:off x="0" y="-19050"/>
+              <a:ext cx="368852" cy="1630668"/>
+            </a:xfrm>
+            <a:prstGeom prst="rect">
+              <a:avLst/>
+            </a:prstGeom>
+          </p:spPr>
+          <p:txBody>
+            <a:bodyPr anchor="ctr" rtlCol="false" tIns="50800" lIns="50800" bIns="50800" rIns="50800"/>
+            <a:lstStyle/>
+            <a:p>
+              <a:pPr algn="ctr">
+                <a:lnSpc>
+                  <a:spcPts val="2859"/>
+                </a:lnSpc>
+              </a:pPr>
+            </a:p>
+          </p:txBody>
+        </p:sp>
+      </p:grpSp>
+      <p:sp>
+        <p:nvSpPr>
+          <p:cNvPr name="TextBox 6" id="6"/>
+          <p:cNvSpPr txBox="true"/>
+          <p:nvPr/>
+        </p:nvSpPr>
+        <p:spPr>
+          <a:xfrm rot="0">
+            <a:off x="4980992" y="1036994"/>
+            <a:ext cx="7416941" cy="1683727"/>
+          </a:xfrm>
+          <a:prstGeom prst="rect">
+            <a:avLst/>
+          </a:prstGeom>
+        </p:spPr>
+        <p:txBody>
+          <a:bodyPr anchor="t" rtlCol="false" tIns="0" lIns="0" bIns="0" rIns="0">
+            <a:spAutoFit/>
+          </a:bodyPr>
+          <a:lstStyle/>
+          <a:p>
+            <a:pPr algn="ctr">
+              <a:lnSpc>
+                <a:spcPts val="13774"/>
+              </a:lnSpc>
+            </a:pPr>
+            <a:r>
+              <a:rPr lang="en-US" sz="9981" spc="978">
+                <a:solidFill>
+                  <a:srgbClr val="231F20"/>
+                </a:solidFill>
+                <a:latin typeface="Oswald Bold"/>
+              </a:rPr>
+              <a:t>CONTENT</a:t>
+            </a:r>
+          </a:p>
+        </p:txBody>
+      </p:sp>
+      <p:sp>
+        <p:nvSpPr>
+          <p:cNvPr name="Freeform 7" id="7"/>
+          <p:cNvSpPr/>
+          <p:nvPr/>
+        </p:nvSpPr>
+        <p:spPr>
+          <a:xfrm flipH="false" flipV="false" rot="2016048">
+            <a:off x="12243487" y="-1005305"/>
+            <a:ext cx="10749463" cy="2687366"/>
+          </a:xfrm>
+          <a:custGeom>
+            <a:avLst/>
+            <a:gdLst/>
+            <a:ahLst/>
+            <a:cxnLst/>
+            <a:rect r="r" b="b" t="t" l="l"/>
+            <a:pathLst>
+              <a:path h="2687366" w="10749463">
+                <a:moveTo>
+                  <a:pt x="0" y="0"/>
+                </a:moveTo>
+                <a:lnTo>
+                  <a:pt x="10749463" y="0"/>
+                </a:lnTo>
+                <a:lnTo>
+                  <a:pt x="10749463" y="2687365"/>
+                </a:lnTo>
+                <a:lnTo>
+                  <a:pt x="0" y="2687365"/>
+                </a:lnTo>
+                <a:lnTo>
+                  <a:pt x="0" y="0"/>
+                </a:lnTo>
+                <a:close/>
+              </a:path>
+            </a:pathLst>
+          </a:custGeom>
+          <a:blipFill>
+            <a:blip r:embed="rId4">
+              <a:extLst>
+                <a:ext uri="{96DAC541-7B7A-43D3-8B79-37D633B846F1}">
+                  <asvg:svgBlip xmlns:asvg="http://schemas.microsoft.com/office/drawing/2016/SVG/main" r:embed="rId5"/>
+                </a:ext>
+              </a:extLst>
+            </a:blip>
+            <a:stretch>
+              <a:fillRect l="0" t="0" r="0" b="0"/>
+            </a:stretch>
+          </a:blipFill>
+        </p:spPr>
+      </p:sp>
+      <p:sp>
+        <p:nvSpPr>
+          <p:cNvPr name="TextBox 8" id="8"/>
+          <p:cNvSpPr txBox="true"/>
+          <p:nvPr/>
+        </p:nvSpPr>
+        <p:spPr>
+          <a:xfrm rot="0">
+            <a:off x="5231353" y="3805909"/>
+            <a:ext cx="937219" cy="657225"/>
+          </a:xfrm>
+          <a:prstGeom prst="rect">
+            <a:avLst/>
+          </a:prstGeom>
+        </p:spPr>
+        <p:txBody>
+          <a:bodyPr anchor="t" rtlCol="false" tIns="0" lIns="0" bIns="0" rIns="0">
+            <a:spAutoFit/>
+          </a:bodyPr>
+          <a:lstStyle/>
+          <a:p>
+            <a:pPr algn="ctr">
+              <a:lnSpc>
+                <a:spcPts val="5126"/>
+              </a:lnSpc>
+            </a:pPr>
+            <a:r>
+              <a:rPr lang="en-US" sz="4271">
+                <a:solidFill>
+                  <a:srgbClr val="363636"/>
+                </a:solidFill>
+                <a:latin typeface="Oswald Bold Italics"/>
+              </a:rPr>
+              <a:t>01</a:t>
+            </a:r>
+          </a:p>
+        </p:txBody>
+      </p:sp>
+      <p:sp>
+        <p:nvSpPr>
+          <p:cNvPr name="TextBox 9" id="9"/>
+          <p:cNvSpPr txBox="true"/>
+          <p:nvPr/>
+        </p:nvSpPr>
+        <p:spPr>
+          <a:xfrm rot="0">
+            <a:off x="5231353" y="4603028"/>
+            <a:ext cx="937219" cy="657225"/>
+          </a:xfrm>
+          <a:prstGeom prst="rect">
+            <a:avLst/>
+          </a:prstGeom>
+        </p:spPr>
+        <p:txBody>
+          <a:bodyPr anchor="t" rtlCol="false" tIns="0" lIns="0" bIns="0" rIns="0">
+            <a:spAutoFit/>
+          </a:bodyPr>
+          <a:lstStyle/>
+          <a:p>
+            <a:pPr algn="ctr">
+              <a:lnSpc>
+                <a:spcPts val="5126"/>
+              </a:lnSpc>
+            </a:pPr>
+            <a:r>
+              <a:rPr lang="en-US" sz="4271">
+                <a:solidFill>
+                  <a:srgbClr val="363636"/>
+                </a:solidFill>
+                <a:latin typeface="Oswald Bold Italics"/>
+              </a:rPr>
+              <a:t>02</a:t>
+            </a:r>
+          </a:p>
+        </p:txBody>
+      </p:sp>
+      <p:sp>
+        <p:nvSpPr>
+          <p:cNvPr name="TextBox 10" id="10"/>
+          <p:cNvSpPr txBox="true"/>
+          <p:nvPr/>
+        </p:nvSpPr>
+        <p:spPr>
+          <a:xfrm rot="0">
+            <a:off x="5231353" y="5484185"/>
+            <a:ext cx="937219" cy="657225"/>
+          </a:xfrm>
+          <a:prstGeom prst="rect">
+            <a:avLst/>
+          </a:prstGeom>
+        </p:spPr>
+        <p:txBody>
+          <a:bodyPr anchor="t" rtlCol="false" tIns="0" lIns="0" bIns="0" rIns="0">
+            <a:spAutoFit/>
+          </a:bodyPr>
+          <a:lstStyle/>
+          <a:p>
+            <a:pPr algn="ctr">
+              <a:lnSpc>
+                <a:spcPts val="5126"/>
+              </a:lnSpc>
+            </a:pPr>
+            <a:r>
+              <a:rPr lang="en-US" sz="4271">
+                <a:solidFill>
+                  <a:srgbClr val="363636"/>
+                </a:solidFill>
+                <a:latin typeface="Oswald Bold Italics"/>
+              </a:rPr>
+              <a:t>03</a:t>
+            </a:r>
+          </a:p>
+        </p:txBody>
+      </p:sp>
+      <p:sp>
+        <p:nvSpPr>
+          <p:cNvPr name="TextBox 11" id="11"/>
+          <p:cNvSpPr txBox="true"/>
+          <p:nvPr/>
+        </p:nvSpPr>
+        <p:spPr>
+          <a:xfrm rot="0">
+            <a:off x="5231353" y="6281305"/>
+            <a:ext cx="937219" cy="657225"/>
+          </a:xfrm>
+          <a:prstGeom prst="rect">
+            <a:avLst/>
+          </a:prstGeom>
+        </p:spPr>
+        <p:txBody>
+          <a:bodyPr anchor="t" rtlCol="false" tIns="0" lIns="0" bIns="0" rIns="0">
+            <a:spAutoFit/>
+          </a:bodyPr>
+          <a:lstStyle/>
+          <a:p>
+            <a:pPr algn="ctr">
+              <a:lnSpc>
+                <a:spcPts val="5126"/>
+              </a:lnSpc>
+            </a:pPr>
+            <a:r>
+              <a:rPr lang="en-US" sz="4271">
+                <a:solidFill>
+                  <a:srgbClr val="363636"/>
+                </a:solidFill>
+                <a:latin typeface="Oswald Bold Italics"/>
+              </a:rPr>
+              <a:t>04</a:t>
+            </a:r>
+          </a:p>
+        </p:txBody>
+      </p:sp>
+      <p:sp>
+        <p:nvSpPr>
+          <p:cNvPr name="TextBox 12" id="12"/>
+          <p:cNvSpPr txBox="true"/>
+          <p:nvPr/>
+        </p:nvSpPr>
+        <p:spPr>
+          <a:xfrm rot="0">
+            <a:off x="5250954" y="7073681"/>
+            <a:ext cx="937219" cy="657225"/>
+          </a:xfrm>
+          <a:prstGeom prst="rect">
+            <a:avLst/>
+          </a:prstGeom>
+        </p:spPr>
+        <p:txBody>
+          <a:bodyPr anchor="t" rtlCol="false" tIns="0" lIns="0" bIns="0" rIns="0">
+            <a:spAutoFit/>
+          </a:bodyPr>
+          <a:lstStyle/>
+          <a:p>
+            <a:pPr algn="ctr">
+              <a:lnSpc>
+                <a:spcPts val="5126"/>
+              </a:lnSpc>
+            </a:pPr>
+            <a:r>
+              <a:rPr lang="en-US" sz="4271">
+                <a:solidFill>
+                  <a:srgbClr val="363636"/>
+                </a:solidFill>
+                <a:latin typeface="Oswald Bold Italics"/>
+              </a:rPr>
+              <a:t>05</a:t>
+            </a:r>
+          </a:p>
+        </p:txBody>
+      </p:sp>
+      <p:sp>
+        <p:nvSpPr>
+          <p:cNvPr name="TextBox 13" id="13"/>
+          <p:cNvSpPr txBox="true"/>
+          <p:nvPr/>
+        </p:nvSpPr>
+        <p:spPr>
+          <a:xfrm rot="0">
+            <a:off x="5250954" y="7904645"/>
+            <a:ext cx="937219" cy="657225"/>
+          </a:xfrm>
+          <a:prstGeom prst="rect">
+            <a:avLst/>
+          </a:prstGeom>
+        </p:spPr>
+        <p:txBody>
+          <a:bodyPr anchor="t" rtlCol="false" tIns="0" lIns="0" bIns="0" rIns="0">
+            <a:spAutoFit/>
+          </a:bodyPr>
+          <a:lstStyle/>
+          <a:p>
+            <a:pPr algn="ctr">
+              <a:lnSpc>
+                <a:spcPts val="5126"/>
+              </a:lnSpc>
+            </a:pPr>
+            <a:r>
+              <a:rPr lang="en-US" sz="4271">
+                <a:solidFill>
+                  <a:srgbClr val="363636"/>
+                </a:solidFill>
+                <a:latin typeface="Oswald Bold Italics"/>
+              </a:rPr>
+              <a:t>06</a:t>
+            </a:r>
+          </a:p>
+        </p:txBody>
+      </p:sp>
+      <p:sp>
+        <p:nvSpPr>
+          <p:cNvPr name="TextBox 14" id="14"/>
+          <p:cNvSpPr txBox="true"/>
+          <p:nvPr/>
+        </p:nvSpPr>
+        <p:spPr>
+          <a:xfrm rot="0">
+            <a:off x="5250954" y="8790470"/>
+            <a:ext cx="937219" cy="657225"/>
+          </a:xfrm>
+          <a:prstGeom prst="rect">
+            <a:avLst/>
+          </a:prstGeom>
+        </p:spPr>
+        <p:txBody>
+          <a:bodyPr anchor="t" rtlCol="false" tIns="0" lIns="0" bIns="0" rIns="0">
+            <a:spAutoFit/>
+          </a:bodyPr>
+          <a:lstStyle/>
+          <a:p>
+            <a:pPr algn="ctr">
+              <a:lnSpc>
+                <a:spcPts val="5126"/>
+              </a:lnSpc>
+            </a:pPr>
+            <a:r>
+              <a:rPr lang="en-US" sz="4271">
+                <a:solidFill>
+                  <a:srgbClr val="363636"/>
+                </a:solidFill>
+                <a:latin typeface="Oswald Bold Italics"/>
+              </a:rPr>
+              <a:t>07</a:t>
+            </a:r>
+          </a:p>
+        </p:txBody>
+      </p:sp>
+      <p:sp>
+        <p:nvSpPr>
+          <p:cNvPr name="TextBox 15" id="15"/>
+          <p:cNvSpPr txBox="true"/>
+          <p:nvPr/>
+        </p:nvSpPr>
+        <p:spPr>
+          <a:xfrm rot="0">
+            <a:off x="6607430" y="3935383"/>
+            <a:ext cx="5790503" cy="418548"/>
+          </a:xfrm>
+          <a:prstGeom prst="rect">
+            <a:avLst/>
+          </a:prstGeom>
+        </p:spPr>
+        <p:txBody>
+          <a:bodyPr anchor="t" rtlCol="false" tIns="0" lIns="0" bIns="0" rIns="0">
+            <a:spAutoFit/>
+          </a:bodyPr>
+          <a:lstStyle/>
+          <a:p>
+            <a:pPr algn="l">
+              <a:lnSpc>
+                <a:spcPts val="3483"/>
+              </a:lnSpc>
+            </a:pPr>
+            <a:r>
+              <a:rPr lang="en-US" sz="2524" spc="247">
+                <a:solidFill>
+                  <a:srgbClr val="231F20"/>
+                </a:solidFill>
+                <a:latin typeface="DM Sans"/>
+              </a:rPr>
+              <a:t>INTRODUCTION</a:t>
+            </a:r>
+          </a:p>
+        </p:txBody>
+      </p:sp>
+      <p:sp>
+        <p:nvSpPr>
+          <p:cNvPr name="TextBox 16" id="16"/>
+          <p:cNvSpPr txBox="true"/>
+          <p:nvPr/>
+        </p:nvSpPr>
+        <p:spPr>
+          <a:xfrm rot="0">
+            <a:off x="6607430" y="4729601"/>
+            <a:ext cx="6076629" cy="418548"/>
+          </a:xfrm>
+          <a:prstGeom prst="rect">
+            <a:avLst/>
+          </a:prstGeom>
+        </p:spPr>
+        <p:txBody>
+          <a:bodyPr anchor="t" rtlCol="false" tIns="0" lIns="0" bIns="0" rIns="0">
+            <a:spAutoFit/>
+          </a:bodyPr>
+          <a:lstStyle/>
+          <a:p>
+            <a:pPr algn="l">
+              <a:lnSpc>
+                <a:spcPts val="3483"/>
+              </a:lnSpc>
+            </a:pPr>
+            <a:r>
+              <a:rPr lang="en-US" sz="2524" spc="247">
+                <a:solidFill>
+                  <a:srgbClr val="231F20"/>
+                </a:solidFill>
+                <a:latin typeface="DM Sans"/>
+              </a:rPr>
+              <a:t>OUTPUT</a:t>
+            </a:r>
+          </a:p>
+        </p:txBody>
+      </p:sp>
+      <p:sp>
+        <p:nvSpPr>
+          <p:cNvPr name="TextBox 17" id="17"/>
+          <p:cNvSpPr txBox="true"/>
+          <p:nvPr/>
+        </p:nvSpPr>
+        <p:spPr>
+          <a:xfrm rot="0">
+            <a:off x="6607430" y="5649692"/>
+            <a:ext cx="5790503" cy="418548"/>
+          </a:xfrm>
+          <a:prstGeom prst="rect">
+            <a:avLst/>
+          </a:prstGeom>
+        </p:spPr>
+        <p:txBody>
+          <a:bodyPr anchor="t" rtlCol="false" tIns="0" lIns="0" bIns="0" rIns="0">
+            <a:spAutoFit/>
+          </a:bodyPr>
+          <a:lstStyle/>
+          <a:p>
+            <a:pPr algn="l" marL="0" indent="0" lvl="0">
+              <a:lnSpc>
+                <a:spcPts val="3483"/>
+              </a:lnSpc>
+              <a:spcBef>
+                <a:spcPct val="0"/>
+              </a:spcBef>
+            </a:pPr>
+            <a:r>
+              <a:rPr lang="en-US" sz="2524" spc="247">
+                <a:solidFill>
+                  <a:srgbClr val="231F20"/>
+                </a:solidFill>
+                <a:latin typeface="DM Sans"/>
+              </a:rPr>
+              <a:t>DATASETS</a:t>
+            </a:r>
+          </a:p>
+        </p:txBody>
+      </p:sp>
+      <p:sp>
+        <p:nvSpPr>
+          <p:cNvPr name="TextBox 18" id="18"/>
+          <p:cNvSpPr txBox="true"/>
+          <p:nvPr/>
+        </p:nvSpPr>
+        <p:spPr>
+          <a:xfrm rot="0">
+            <a:off x="6607430" y="6443909"/>
+            <a:ext cx="6076629" cy="418548"/>
+          </a:xfrm>
+          <a:prstGeom prst="rect">
+            <a:avLst/>
+          </a:prstGeom>
+        </p:spPr>
+        <p:txBody>
+          <a:bodyPr anchor="t" rtlCol="false" tIns="0" lIns="0" bIns="0" rIns="0">
+            <a:spAutoFit/>
+          </a:bodyPr>
+          <a:lstStyle/>
+          <a:p>
+            <a:pPr algn="l" marL="0" indent="0" lvl="0">
+              <a:lnSpc>
+                <a:spcPts val="3483"/>
+              </a:lnSpc>
+              <a:spcBef>
+                <a:spcPct val="0"/>
+              </a:spcBef>
+            </a:pPr>
+            <a:r>
+              <a:rPr lang="en-US" sz="2524" spc="247">
+                <a:solidFill>
+                  <a:srgbClr val="231F20"/>
+                </a:solidFill>
+                <a:latin typeface="DM Sans"/>
+              </a:rPr>
+              <a:t>MODEL</a:t>
+            </a:r>
+          </a:p>
+        </p:txBody>
+      </p:sp>
+      <p:sp>
+        <p:nvSpPr>
+          <p:cNvPr name="TextBox 19" id="19"/>
+          <p:cNvSpPr txBox="true"/>
+          <p:nvPr/>
+        </p:nvSpPr>
+        <p:spPr>
+          <a:xfrm rot="0">
+            <a:off x="6607430" y="8009696"/>
+            <a:ext cx="6076629" cy="418548"/>
+          </a:xfrm>
+          <a:prstGeom prst="rect">
+            <a:avLst/>
+          </a:prstGeom>
+        </p:spPr>
+        <p:txBody>
+          <a:bodyPr anchor="t" rtlCol="false" tIns="0" lIns="0" bIns="0" rIns="0">
+            <a:spAutoFit/>
+          </a:bodyPr>
+          <a:lstStyle/>
+          <a:p>
+            <a:pPr algn="l" marL="0" indent="0" lvl="0">
+              <a:lnSpc>
+                <a:spcPts val="3483"/>
+              </a:lnSpc>
+              <a:spcBef>
+                <a:spcPct val="0"/>
+              </a:spcBef>
+            </a:pPr>
+            <a:r>
+              <a:rPr lang="en-US" sz="2524" spc="247">
+                <a:solidFill>
+                  <a:srgbClr val="231F20"/>
+                </a:solidFill>
+                <a:latin typeface="DM Sans"/>
+              </a:rPr>
+              <a:t>PROBLEMS</a:t>
+            </a:r>
+          </a:p>
+        </p:txBody>
+      </p:sp>
+      <p:sp>
+        <p:nvSpPr>
+          <p:cNvPr name="TextBox 20" id="20"/>
+          <p:cNvSpPr txBox="true"/>
+          <p:nvPr/>
+        </p:nvSpPr>
+        <p:spPr>
+          <a:xfrm rot="0">
+            <a:off x="6607430" y="7262783"/>
+            <a:ext cx="6076629" cy="418548"/>
+          </a:xfrm>
+          <a:prstGeom prst="rect">
+            <a:avLst/>
+          </a:prstGeom>
+        </p:spPr>
+        <p:txBody>
+          <a:bodyPr anchor="t" rtlCol="false" tIns="0" lIns="0" bIns="0" rIns="0">
+            <a:spAutoFit/>
+          </a:bodyPr>
+          <a:lstStyle/>
+          <a:p>
+            <a:pPr algn="l" marL="0" indent="0" lvl="0">
+              <a:lnSpc>
+                <a:spcPts val="3483"/>
+              </a:lnSpc>
+              <a:spcBef>
+                <a:spcPct val="0"/>
+              </a:spcBef>
+            </a:pPr>
+            <a:r>
+              <a:rPr lang="en-US" sz="2524" spc="247">
+                <a:solidFill>
+                  <a:srgbClr val="231F20"/>
+                </a:solidFill>
+                <a:latin typeface="DM Sans"/>
+              </a:rPr>
+              <a:t>LEARNING OUTCOMES</a:t>
+            </a:r>
+          </a:p>
+        </p:txBody>
+      </p:sp>
+      <p:sp>
+        <p:nvSpPr>
+          <p:cNvPr name="TextBox 21" id="21"/>
+          <p:cNvSpPr txBox="true"/>
+          <p:nvPr/>
+        </p:nvSpPr>
+        <p:spPr>
+          <a:xfrm rot="0">
+            <a:off x="6607430" y="8874034"/>
+            <a:ext cx="5790503" cy="418548"/>
+          </a:xfrm>
+          <a:prstGeom prst="rect">
+            <a:avLst/>
+          </a:prstGeom>
+        </p:spPr>
+        <p:txBody>
+          <a:bodyPr anchor="t" rtlCol="false" tIns="0" lIns="0" bIns="0" rIns="0">
+            <a:spAutoFit/>
+          </a:bodyPr>
+          <a:lstStyle/>
+          <a:p>
+            <a:pPr algn="l" marL="0" indent="0" lvl="0">
+              <a:lnSpc>
+                <a:spcPts val="3483"/>
+              </a:lnSpc>
+              <a:spcBef>
+                <a:spcPct val="0"/>
+              </a:spcBef>
+            </a:pPr>
+            <a:r>
+              <a:rPr lang="en-US" sz="2524" spc="247">
+                <a:solidFill>
+                  <a:srgbClr val="231F20"/>
+                </a:solidFill>
+                <a:latin typeface="DM Sans"/>
+              </a:rPr>
+              <a:t>FUTURE</a:t>
+            </a:r>
+          </a:p>
+        </p:txBody>
+      </p:sp>
+    </p:spTree>
+  </p:cSld>
+  <p:clrMapOvr>
+    <a:masterClrMapping/>
+  </p:clrMapOvr>
+</p:sld>
+</file>
+
+<file path=ppt/slides/slide20.xml><?xml version="1.0" encoding="utf-8"?>
 <p:sld xmlns:p="http://schemas.openxmlformats.org/presentationml/2006/main" xmlns:a="http://schemas.openxmlformats.org/drawingml/2006/main" xmlns:r="http://schemas.openxmlformats.org/officeDocument/2006/relationships">
   <p:cSld>
     <p:spTree>
@@ -5696,7 +6831,7 @@
 </p:sld>
 </file>
 
-<file path=ppt/slides/slide19.xml><?xml version="1.0" encoding="utf-8"?>
+<file path=ppt/slides/slide21.xml><?xml version="1.0" encoding="utf-8"?>
 <p:sld xmlns:p="http://schemas.openxmlformats.org/presentationml/2006/main" xmlns:a="http://schemas.openxmlformats.org/drawingml/2006/main" xmlns:r="http://schemas.openxmlformats.org/officeDocument/2006/relationships">
   <p:cSld>
     <p:bg>
@@ -6208,810 +7343,7 @@
 </p:sld>
 </file>
 
-<file path=ppt/slides/slide2.xml><?xml version="1.0" encoding="utf-8"?>
-<p:sld xmlns:p="http://schemas.openxmlformats.org/presentationml/2006/main" xmlns:a="http://schemas.openxmlformats.org/drawingml/2006/main" xmlns:r="http://schemas.openxmlformats.org/officeDocument/2006/relationships">
-  <p:cSld>
-    <p:bg>
-      <p:bgPr>
-        <a:solidFill>
-          <a:srgbClr val="F2F4F5"/>
-        </a:solidFill>
-      </p:bgPr>
-    </p:bg>
-    <p:spTree>
-      <p:nvGrpSpPr>
-        <p:cNvPr id="1" name=""/>
-        <p:cNvGrpSpPr/>
-        <p:nvPr/>
-      </p:nvGrpSpPr>
-      <p:grpSpPr>
-        <a:xfrm>
-          <a:off x="0" y="0"/>
-          <a:ext cx="0" cy="0"/>
-          <a:chOff x="0" y="0"/>
-          <a:chExt cx="0" cy="0"/>
-        </a:xfrm>
-      </p:grpSpPr>
-      <p:sp>
-        <p:nvSpPr>
-          <p:cNvPr name="Freeform 2" id="2"/>
-          <p:cNvSpPr/>
-          <p:nvPr/>
-        </p:nvSpPr>
-        <p:spPr>
-          <a:xfrm flipH="false" flipV="false" rot="7659121">
-            <a:off x="-4012602" y="5585714"/>
-            <a:ext cx="7629294" cy="7828566"/>
-          </a:xfrm>
-          <a:custGeom>
-            <a:avLst/>
-            <a:gdLst/>
-            <a:ahLst/>
-            <a:cxnLst/>
-            <a:rect r="r" b="b" t="t" l="l"/>
-            <a:pathLst>
-              <a:path h="7828566" w="7629294">
-                <a:moveTo>
-                  <a:pt x="0" y="0"/>
-                </a:moveTo>
-                <a:lnTo>
-                  <a:pt x="7629294" y="0"/>
-                </a:lnTo>
-                <a:lnTo>
-                  <a:pt x="7629294" y="7828566"/>
-                </a:lnTo>
-                <a:lnTo>
-                  <a:pt x="0" y="7828566"/>
-                </a:lnTo>
-                <a:lnTo>
-                  <a:pt x="0" y="0"/>
-                </a:lnTo>
-                <a:close/>
-              </a:path>
-            </a:pathLst>
-          </a:custGeom>
-          <a:blipFill>
-            <a:blip r:embed="rId2">
-              <a:extLst>
-                <a:ext uri="{96DAC541-7B7A-43D3-8B79-37D633B846F1}">
-                  <asvg:svgBlip xmlns:asvg="http://schemas.microsoft.com/office/drawing/2016/SVG/main" r:embed="rId3"/>
-                </a:ext>
-              </a:extLst>
-            </a:blip>
-            <a:stretch>
-              <a:fillRect l="0" t="0" r="0" b="0"/>
-            </a:stretch>
-          </a:blipFill>
-        </p:spPr>
-      </p:sp>
-      <p:grpSp>
-        <p:nvGrpSpPr>
-          <p:cNvPr name="Group 3" id="3"/>
-          <p:cNvGrpSpPr/>
-          <p:nvPr/>
-        </p:nvGrpSpPr>
-        <p:grpSpPr>
-          <a:xfrm rot="0">
-            <a:off x="5019320" y="3541828"/>
-            <a:ext cx="1400485" cy="6119112"/>
-            <a:chOff x="0" y="0"/>
-            <a:chExt cx="368852" cy="1611618"/>
-          </a:xfrm>
-        </p:grpSpPr>
-        <p:sp>
-          <p:nvSpPr>
-            <p:cNvPr name="Freeform 4" id="4"/>
-            <p:cNvSpPr/>
-            <p:nvPr/>
-          </p:nvSpPr>
-          <p:spPr>
-            <a:xfrm flipH="false" flipV="false" rot="0">
-              <a:off x="0" y="0"/>
-              <a:ext cx="368852" cy="1611618"/>
-            </a:xfrm>
-            <a:custGeom>
-              <a:avLst/>
-              <a:gdLst/>
-              <a:ahLst/>
-              <a:cxnLst/>
-              <a:rect r="r" b="b" t="t" l="l"/>
-              <a:pathLst>
-                <a:path h="1611618" w="368852">
-                  <a:moveTo>
-                    <a:pt x="0" y="0"/>
-                  </a:moveTo>
-                  <a:lnTo>
-                    <a:pt x="368852" y="0"/>
-                  </a:lnTo>
-                  <a:lnTo>
-                    <a:pt x="368852" y="1611618"/>
-                  </a:lnTo>
-                  <a:lnTo>
-                    <a:pt x="0" y="1611618"/>
-                  </a:lnTo>
-                  <a:close/>
-                </a:path>
-              </a:pathLst>
-            </a:custGeom>
-            <a:solidFill>
-              <a:srgbClr val="CCCCCC"/>
-            </a:solidFill>
-          </p:spPr>
-        </p:sp>
-        <p:sp>
-          <p:nvSpPr>
-            <p:cNvPr name="TextBox 5" id="5"/>
-            <p:cNvSpPr txBox="true"/>
-            <p:nvPr/>
-          </p:nvSpPr>
-          <p:spPr>
-            <a:xfrm>
-              <a:off x="0" y="-19050"/>
-              <a:ext cx="368852" cy="1630668"/>
-            </a:xfrm>
-            <a:prstGeom prst="rect">
-              <a:avLst/>
-            </a:prstGeom>
-          </p:spPr>
-          <p:txBody>
-            <a:bodyPr anchor="ctr" rtlCol="false" tIns="50800" lIns="50800" bIns="50800" rIns="50800"/>
-            <a:lstStyle/>
-            <a:p>
-              <a:pPr algn="ctr">
-                <a:lnSpc>
-                  <a:spcPts val="2859"/>
-                </a:lnSpc>
-              </a:pPr>
-            </a:p>
-          </p:txBody>
-        </p:sp>
-      </p:grpSp>
-      <p:sp>
-        <p:nvSpPr>
-          <p:cNvPr name="TextBox 6" id="6"/>
-          <p:cNvSpPr txBox="true"/>
-          <p:nvPr/>
-        </p:nvSpPr>
-        <p:spPr>
-          <a:xfrm rot="0">
-            <a:off x="4980992" y="1036994"/>
-            <a:ext cx="7416941" cy="1683727"/>
-          </a:xfrm>
-          <a:prstGeom prst="rect">
-            <a:avLst/>
-          </a:prstGeom>
-        </p:spPr>
-        <p:txBody>
-          <a:bodyPr anchor="t" rtlCol="false" tIns="0" lIns="0" bIns="0" rIns="0">
-            <a:spAutoFit/>
-          </a:bodyPr>
-          <a:lstStyle/>
-          <a:p>
-            <a:pPr algn="ctr">
-              <a:lnSpc>
-                <a:spcPts val="13774"/>
-              </a:lnSpc>
-            </a:pPr>
-            <a:r>
-              <a:rPr lang="en-US" sz="9981" spc="978">
-                <a:solidFill>
-                  <a:srgbClr val="231F20"/>
-                </a:solidFill>
-                <a:latin typeface="Oswald Bold"/>
-              </a:rPr>
-              <a:t>CONTENT</a:t>
-            </a:r>
-          </a:p>
-        </p:txBody>
-      </p:sp>
-      <p:sp>
-        <p:nvSpPr>
-          <p:cNvPr name="Freeform 7" id="7"/>
-          <p:cNvSpPr/>
-          <p:nvPr/>
-        </p:nvSpPr>
-        <p:spPr>
-          <a:xfrm flipH="false" flipV="false" rot="2016048">
-            <a:off x="12243487" y="-1005305"/>
-            <a:ext cx="10749463" cy="2687366"/>
-          </a:xfrm>
-          <a:custGeom>
-            <a:avLst/>
-            <a:gdLst/>
-            <a:ahLst/>
-            <a:cxnLst/>
-            <a:rect r="r" b="b" t="t" l="l"/>
-            <a:pathLst>
-              <a:path h="2687366" w="10749463">
-                <a:moveTo>
-                  <a:pt x="0" y="0"/>
-                </a:moveTo>
-                <a:lnTo>
-                  <a:pt x="10749463" y="0"/>
-                </a:lnTo>
-                <a:lnTo>
-                  <a:pt x="10749463" y="2687365"/>
-                </a:lnTo>
-                <a:lnTo>
-                  <a:pt x="0" y="2687365"/>
-                </a:lnTo>
-                <a:lnTo>
-                  <a:pt x="0" y="0"/>
-                </a:lnTo>
-                <a:close/>
-              </a:path>
-            </a:pathLst>
-          </a:custGeom>
-          <a:blipFill>
-            <a:blip r:embed="rId4">
-              <a:extLst>
-                <a:ext uri="{96DAC541-7B7A-43D3-8B79-37D633B846F1}">
-                  <asvg:svgBlip xmlns:asvg="http://schemas.microsoft.com/office/drawing/2016/SVG/main" r:embed="rId5"/>
-                </a:ext>
-              </a:extLst>
-            </a:blip>
-            <a:stretch>
-              <a:fillRect l="0" t="0" r="0" b="0"/>
-            </a:stretch>
-          </a:blipFill>
-        </p:spPr>
-      </p:sp>
-      <p:sp>
-        <p:nvSpPr>
-          <p:cNvPr name="TextBox 8" id="8"/>
-          <p:cNvSpPr txBox="true"/>
-          <p:nvPr/>
-        </p:nvSpPr>
-        <p:spPr>
-          <a:xfrm rot="0">
-            <a:off x="5231353" y="3805909"/>
-            <a:ext cx="937219" cy="657225"/>
-          </a:xfrm>
-          <a:prstGeom prst="rect">
-            <a:avLst/>
-          </a:prstGeom>
-        </p:spPr>
-        <p:txBody>
-          <a:bodyPr anchor="t" rtlCol="false" tIns="0" lIns="0" bIns="0" rIns="0">
-            <a:spAutoFit/>
-          </a:bodyPr>
-          <a:lstStyle/>
-          <a:p>
-            <a:pPr algn="ctr">
-              <a:lnSpc>
-                <a:spcPts val="5126"/>
-              </a:lnSpc>
-            </a:pPr>
-            <a:r>
-              <a:rPr lang="en-US" sz="4271">
-                <a:solidFill>
-                  <a:srgbClr val="363636"/>
-                </a:solidFill>
-                <a:latin typeface="Oswald Bold Italics"/>
-              </a:rPr>
-              <a:t>01</a:t>
-            </a:r>
-          </a:p>
-        </p:txBody>
-      </p:sp>
-      <p:sp>
-        <p:nvSpPr>
-          <p:cNvPr name="TextBox 9" id="9"/>
-          <p:cNvSpPr txBox="true"/>
-          <p:nvPr/>
-        </p:nvSpPr>
-        <p:spPr>
-          <a:xfrm rot="0">
-            <a:off x="5231353" y="4603028"/>
-            <a:ext cx="937219" cy="657225"/>
-          </a:xfrm>
-          <a:prstGeom prst="rect">
-            <a:avLst/>
-          </a:prstGeom>
-        </p:spPr>
-        <p:txBody>
-          <a:bodyPr anchor="t" rtlCol="false" tIns="0" lIns="0" bIns="0" rIns="0">
-            <a:spAutoFit/>
-          </a:bodyPr>
-          <a:lstStyle/>
-          <a:p>
-            <a:pPr algn="ctr">
-              <a:lnSpc>
-                <a:spcPts val="5126"/>
-              </a:lnSpc>
-            </a:pPr>
-            <a:r>
-              <a:rPr lang="en-US" sz="4271">
-                <a:solidFill>
-                  <a:srgbClr val="363636"/>
-                </a:solidFill>
-                <a:latin typeface="Oswald Bold Italics"/>
-              </a:rPr>
-              <a:t>02</a:t>
-            </a:r>
-          </a:p>
-        </p:txBody>
-      </p:sp>
-      <p:sp>
-        <p:nvSpPr>
-          <p:cNvPr name="TextBox 10" id="10"/>
-          <p:cNvSpPr txBox="true"/>
-          <p:nvPr/>
-        </p:nvSpPr>
-        <p:spPr>
-          <a:xfrm rot="0">
-            <a:off x="5231353" y="5484185"/>
-            <a:ext cx="937219" cy="657225"/>
-          </a:xfrm>
-          <a:prstGeom prst="rect">
-            <a:avLst/>
-          </a:prstGeom>
-        </p:spPr>
-        <p:txBody>
-          <a:bodyPr anchor="t" rtlCol="false" tIns="0" lIns="0" bIns="0" rIns="0">
-            <a:spAutoFit/>
-          </a:bodyPr>
-          <a:lstStyle/>
-          <a:p>
-            <a:pPr algn="ctr">
-              <a:lnSpc>
-                <a:spcPts val="5126"/>
-              </a:lnSpc>
-            </a:pPr>
-            <a:r>
-              <a:rPr lang="en-US" sz="4271">
-                <a:solidFill>
-                  <a:srgbClr val="363636"/>
-                </a:solidFill>
-                <a:latin typeface="Oswald Bold Italics"/>
-              </a:rPr>
-              <a:t>03</a:t>
-            </a:r>
-          </a:p>
-        </p:txBody>
-      </p:sp>
-      <p:sp>
-        <p:nvSpPr>
-          <p:cNvPr name="TextBox 11" id="11"/>
-          <p:cNvSpPr txBox="true"/>
-          <p:nvPr/>
-        </p:nvSpPr>
-        <p:spPr>
-          <a:xfrm rot="0">
-            <a:off x="5231353" y="6281305"/>
-            <a:ext cx="937219" cy="657225"/>
-          </a:xfrm>
-          <a:prstGeom prst="rect">
-            <a:avLst/>
-          </a:prstGeom>
-        </p:spPr>
-        <p:txBody>
-          <a:bodyPr anchor="t" rtlCol="false" tIns="0" lIns="0" bIns="0" rIns="0">
-            <a:spAutoFit/>
-          </a:bodyPr>
-          <a:lstStyle/>
-          <a:p>
-            <a:pPr algn="ctr">
-              <a:lnSpc>
-                <a:spcPts val="5126"/>
-              </a:lnSpc>
-            </a:pPr>
-            <a:r>
-              <a:rPr lang="en-US" sz="4271">
-                <a:solidFill>
-                  <a:srgbClr val="363636"/>
-                </a:solidFill>
-                <a:latin typeface="Oswald Bold Italics"/>
-              </a:rPr>
-              <a:t>04</a:t>
-            </a:r>
-          </a:p>
-        </p:txBody>
-      </p:sp>
-      <p:sp>
-        <p:nvSpPr>
-          <p:cNvPr name="TextBox 12" id="12"/>
-          <p:cNvSpPr txBox="true"/>
-          <p:nvPr/>
-        </p:nvSpPr>
-        <p:spPr>
-          <a:xfrm rot="0">
-            <a:off x="5250954" y="7073681"/>
-            <a:ext cx="937219" cy="657225"/>
-          </a:xfrm>
-          <a:prstGeom prst="rect">
-            <a:avLst/>
-          </a:prstGeom>
-        </p:spPr>
-        <p:txBody>
-          <a:bodyPr anchor="t" rtlCol="false" tIns="0" lIns="0" bIns="0" rIns="0">
-            <a:spAutoFit/>
-          </a:bodyPr>
-          <a:lstStyle/>
-          <a:p>
-            <a:pPr algn="ctr">
-              <a:lnSpc>
-                <a:spcPts val="5126"/>
-              </a:lnSpc>
-            </a:pPr>
-            <a:r>
-              <a:rPr lang="en-US" sz="4271">
-                <a:solidFill>
-                  <a:srgbClr val="363636"/>
-                </a:solidFill>
-                <a:latin typeface="Oswald Bold Italics"/>
-              </a:rPr>
-              <a:t>05</a:t>
-            </a:r>
-          </a:p>
-        </p:txBody>
-      </p:sp>
-      <p:sp>
-        <p:nvSpPr>
-          <p:cNvPr name="TextBox 13" id="13"/>
-          <p:cNvSpPr txBox="true"/>
-          <p:nvPr/>
-        </p:nvSpPr>
-        <p:spPr>
-          <a:xfrm rot="0">
-            <a:off x="5250954" y="7904645"/>
-            <a:ext cx="937219" cy="657225"/>
-          </a:xfrm>
-          <a:prstGeom prst="rect">
-            <a:avLst/>
-          </a:prstGeom>
-        </p:spPr>
-        <p:txBody>
-          <a:bodyPr anchor="t" rtlCol="false" tIns="0" lIns="0" bIns="0" rIns="0">
-            <a:spAutoFit/>
-          </a:bodyPr>
-          <a:lstStyle/>
-          <a:p>
-            <a:pPr algn="ctr">
-              <a:lnSpc>
-                <a:spcPts val="5126"/>
-              </a:lnSpc>
-            </a:pPr>
-            <a:r>
-              <a:rPr lang="en-US" sz="4271">
-                <a:solidFill>
-                  <a:srgbClr val="363636"/>
-                </a:solidFill>
-                <a:latin typeface="Oswald Bold Italics"/>
-              </a:rPr>
-              <a:t>06</a:t>
-            </a:r>
-          </a:p>
-        </p:txBody>
-      </p:sp>
-      <p:sp>
-        <p:nvSpPr>
-          <p:cNvPr name="TextBox 14" id="14"/>
-          <p:cNvSpPr txBox="true"/>
-          <p:nvPr/>
-        </p:nvSpPr>
-        <p:spPr>
-          <a:xfrm rot="0">
-            <a:off x="5250954" y="8790470"/>
-            <a:ext cx="937219" cy="657225"/>
-          </a:xfrm>
-          <a:prstGeom prst="rect">
-            <a:avLst/>
-          </a:prstGeom>
-        </p:spPr>
-        <p:txBody>
-          <a:bodyPr anchor="t" rtlCol="false" tIns="0" lIns="0" bIns="0" rIns="0">
-            <a:spAutoFit/>
-          </a:bodyPr>
-          <a:lstStyle/>
-          <a:p>
-            <a:pPr algn="ctr">
-              <a:lnSpc>
-                <a:spcPts val="5126"/>
-              </a:lnSpc>
-            </a:pPr>
-            <a:r>
-              <a:rPr lang="en-US" sz="4271">
-                <a:solidFill>
-                  <a:srgbClr val="363636"/>
-                </a:solidFill>
-                <a:latin typeface="Oswald Bold Italics"/>
-              </a:rPr>
-              <a:t>07</a:t>
-            </a:r>
-          </a:p>
-        </p:txBody>
-      </p:sp>
-      <p:sp>
-        <p:nvSpPr>
-          <p:cNvPr name="TextBox 15" id="15"/>
-          <p:cNvSpPr txBox="true"/>
-          <p:nvPr/>
-        </p:nvSpPr>
-        <p:spPr>
-          <a:xfrm rot="0">
-            <a:off x="6607430" y="3935383"/>
-            <a:ext cx="5790503" cy="418548"/>
-          </a:xfrm>
-          <a:prstGeom prst="rect">
-            <a:avLst/>
-          </a:prstGeom>
-        </p:spPr>
-        <p:txBody>
-          <a:bodyPr anchor="t" rtlCol="false" tIns="0" lIns="0" bIns="0" rIns="0">
-            <a:spAutoFit/>
-          </a:bodyPr>
-          <a:lstStyle/>
-          <a:p>
-            <a:pPr algn="l">
-              <a:lnSpc>
-                <a:spcPts val="3483"/>
-              </a:lnSpc>
-            </a:pPr>
-            <a:r>
-              <a:rPr lang="en-US" sz="2524" spc="247">
-                <a:solidFill>
-                  <a:srgbClr val="231F20"/>
-                </a:solidFill>
-                <a:latin typeface="DM Sans"/>
-              </a:rPr>
-              <a:t>INTRODUCTION</a:t>
-            </a:r>
-          </a:p>
-        </p:txBody>
-      </p:sp>
-      <p:sp>
-        <p:nvSpPr>
-          <p:cNvPr name="TextBox 16" id="16"/>
-          <p:cNvSpPr txBox="true"/>
-          <p:nvPr/>
-        </p:nvSpPr>
-        <p:spPr>
-          <a:xfrm rot="0">
-            <a:off x="6607430" y="4729601"/>
-            <a:ext cx="6076629" cy="418548"/>
-          </a:xfrm>
-          <a:prstGeom prst="rect">
-            <a:avLst/>
-          </a:prstGeom>
-        </p:spPr>
-        <p:txBody>
-          <a:bodyPr anchor="t" rtlCol="false" tIns="0" lIns="0" bIns="0" rIns="0">
-            <a:spAutoFit/>
-          </a:bodyPr>
-          <a:lstStyle/>
-          <a:p>
-            <a:pPr algn="l">
-              <a:lnSpc>
-                <a:spcPts val="3483"/>
-              </a:lnSpc>
-            </a:pPr>
-            <a:r>
-              <a:rPr lang="en-US" sz="2524" spc="247">
-                <a:solidFill>
-                  <a:srgbClr val="231F20"/>
-                </a:solidFill>
-                <a:latin typeface="DM Sans"/>
-              </a:rPr>
-              <a:t>OUTPUT</a:t>
-            </a:r>
-          </a:p>
-        </p:txBody>
-      </p:sp>
-      <p:sp>
-        <p:nvSpPr>
-          <p:cNvPr name="TextBox 17" id="17"/>
-          <p:cNvSpPr txBox="true"/>
-          <p:nvPr/>
-        </p:nvSpPr>
-        <p:spPr>
-          <a:xfrm rot="0">
-            <a:off x="6607430" y="5649692"/>
-            <a:ext cx="5790503" cy="418548"/>
-          </a:xfrm>
-          <a:prstGeom prst="rect">
-            <a:avLst/>
-          </a:prstGeom>
-        </p:spPr>
-        <p:txBody>
-          <a:bodyPr anchor="t" rtlCol="false" tIns="0" lIns="0" bIns="0" rIns="0">
-            <a:spAutoFit/>
-          </a:bodyPr>
-          <a:lstStyle/>
-          <a:p>
-            <a:pPr algn="l" marL="0" indent="0" lvl="0">
-              <a:lnSpc>
-                <a:spcPts val="3483"/>
-              </a:lnSpc>
-              <a:spcBef>
-                <a:spcPct val="0"/>
-              </a:spcBef>
-            </a:pPr>
-            <a:r>
-              <a:rPr lang="en-US" sz="2524" spc="247">
-                <a:solidFill>
-                  <a:srgbClr val="231F20"/>
-                </a:solidFill>
-                <a:latin typeface="DM Sans"/>
-              </a:rPr>
-              <a:t>DATASETS</a:t>
-            </a:r>
-          </a:p>
-        </p:txBody>
-      </p:sp>
-      <p:sp>
-        <p:nvSpPr>
-          <p:cNvPr name="TextBox 18" id="18"/>
-          <p:cNvSpPr txBox="true"/>
-          <p:nvPr/>
-        </p:nvSpPr>
-        <p:spPr>
-          <a:xfrm rot="0">
-            <a:off x="6607430" y="6443909"/>
-            <a:ext cx="6076629" cy="418548"/>
-          </a:xfrm>
-          <a:prstGeom prst="rect">
-            <a:avLst/>
-          </a:prstGeom>
-        </p:spPr>
-        <p:txBody>
-          <a:bodyPr anchor="t" rtlCol="false" tIns="0" lIns="0" bIns="0" rIns="0">
-            <a:spAutoFit/>
-          </a:bodyPr>
-          <a:lstStyle/>
-          <a:p>
-            <a:pPr algn="l" marL="0" indent="0" lvl="0">
-              <a:lnSpc>
-                <a:spcPts val="3483"/>
-              </a:lnSpc>
-              <a:spcBef>
-                <a:spcPct val="0"/>
-              </a:spcBef>
-            </a:pPr>
-            <a:r>
-              <a:rPr lang="en-US" sz="2524" spc="247">
-                <a:solidFill>
-                  <a:srgbClr val="231F20"/>
-                </a:solidFill>
-                <a:latin typeface="DM Sans"/>
-              </a:rPr>
-              <a:t>MODEL</a:t>
-            </a:r>
-          </a:p>
-        </p:txBody>
-      </p:sp>
-      <p:sp>
-        <p:nvSpPr>
-          <p:cNvPr name="TextBox 19" id="19"/>
-          <p:cNvSpPr txBox="true"/>
-          <p:nvPr/>
-        </p:nvSpPr>
-        <p:spPr>
-          <a:xfrm rot="0">
-            <a:off x="6607430" y="8009696"/>
-            <a:ext cx="6076629" cy="418548"/>
-          </a:xfrm>
-          <a:prstGeom prst="rect">
-            <a:avLst/>
-          </a:prstGeom>
-        </p:spPr>
-        <p:txBody>
-          <a:bodyPr anchor="t" rtlCol="false" tIns="0" lIns="0" bIns="0" rIns="0">
-            <a:spAutoFit/>
-          </a:bodyPr>
-          <a:lstStyle/>
-          <a:p>
-            <a:pPr algn="l" marL="0" indent="0" lvl="0">
-              <a:lnSpc>
-                <a:spcPts val="3483"/>
-              </a:lnSpc>
-              <a:spcBef>
-                <a:spcPct val="0"/>
-              </a:spcBef>
-            </a:pPr>
-            <a:r>
-              <a:rPr lang="en-US" sz="2524" spc="247">
-                <a:solidFill>
-                  <a:srgbClr val="231F20"/>
-                </a:solidFill>
-                <a:latin typeface="DM Sans"/>
-              </a:rPr>
-              <a:t>PROBLEMS</a:t>
-            </a:r>
-          </a:p>
-        </p:txBody>
-      </p:sp>
-      <p:sp>
-        <p:nvSpPr>
-          <p:cNvPr name="TextBox 20" id="20"/>
-          <p:cNvSpPr txBox="true"/>
-          <p:nvPr/>
-        </p:nvSpPr>
-        <p:spPr>
-          <a:xfrm rot="0">
-            <a:off x="6607430" y="7262783"/>
-            <a:ext cx="6076629" cy="418548"/>
-          </a:xfrm>
-          <a:prstGeom prst="rect">
-            <a:avLst/>
-          </a:prstGeom>
-        </p:spPr>
-        <p:txBody>
-          <a:bodyPr anchor="t" rtlCol="false" tIns="0" lIns="0" bIns="0" rIns="0">
-            <a:spAutoFit/>
-          </a:bodyPr>
-          <a:lstStyle/>
-          <a:p>
-            <a:pPr algn="l" marL="0" indent="0" lvl="0">
-              <a:lnSpc>
-                <a:spcPts val="3483"/>
-              </a:lnSpc>
-              <a:spcBef>
-                <a:spcPct val="0"/>
-              </a:spcBef>
-            </a:pPr>
-            <a:r>
-              <a:rPr lang="en-US" sz="2524" spc="247">
-                <a:solidFill>
-                  <a:srgbClr val="231F20"/>
-                </a:solidFill>
-                <a:latin typeface="DM Sans"/>
-              </a:rPr>
-              <a:t>LEARNING OUTCOMES</a:t>
-            </a:r>
-          </a:p>
-        </p:txBody>
-      </p:sp>
-      <p:sp>
-        <p:nvSpPr>
-          <p:cNvPr name="TextBox 21" id="21"/>
-          <p:cNvSpPr txBox="true"/>
-          <p:nvPr/>
-        </p:nvSpPr>
-        <p:spPr>
-          <a:xfrm rot="0">
-            <a:off x="6607430" y="8874034"/>
-            <a:ext cx="5790503" cy="418548"/>
-          </a:xfrm>
-          <a:prstGeom prst="rect">
-            <a:avLst/>
-          </a:prstGeom>
-        </p:spPr>
-        <p:txBody>
-          <a:bodyPr anchor="t" rtlCol="false" tIns="0" lIns="0" bIns="0" rIns="0">
-            <a:spAutoFit/>
-          </a:bodyPr>
-          <a:lstStyle/>
-          <a:p>
-            <a:pPr algn="l" marL="0" indent="0" lvl="0">
-              <a:lnSpc>
-                <a:spcPts val="3483"/>
-              </a:lnSpc>
-              <a:spcBef>
-                <a:spcPct val="0"/>
-              </a:spcBef>
-            </a:pPr>
-            <a:r>
-              <a:rPr lang="en-US" sz="2524" spc="247">
-                <a:solidFill>
-                  <a:srgbClr val="231F20"/>
-                </a:solidFill>
-                <a:latin typeface="DM Sans"/>
-              </a:rPr>
-              <a:t>FUTURE</a:t>
-            </a:r>
-          </a:p>
-        </p:txBody>
-      </p:sp>
-    </p:spTree>
-  </p:cSld>
-  <p:clrMapOvr>
-    <a:masterClrMapping/>
-  </p:clrMapOvr>
-</p:sld>
-</file>
-
-<file path=ppt/slides/slide20.xml><?xml version="1.0" encoding="utf-8"?>
+<file path=ppt/slides/slide22.xml><?xml version="1.0" encoding="utf-8"?>
 <p:sld xmlns:p="http://schemas.openxmlformats.org/presentationml/2006/main" xmlns:a="http://schemas.openxmlformats.org/drawingml/2006/main" xmlns:r="http://schemas.openxmlformats.org/officeDocument/2006/relationships">
   <p:cSld>
     <p:spTree>
@@ -7268,7 +7600,7 @@
 </p:sld>
 </file>
 
-<file path=ppt/slides/slide21.xml><?xml version="1.0" encoding="utf-8"?>
+<file path=ppt/slides/slide23.xml><?xml version="1.0" encoding="utf-8"?>
 <p:sld xmlns:p="http://schemas.openxmlformats.org/presentationml/2006/main" xmlns:a="http://schemas.openxmlformats.org/drawingml/2006/main" xmlns:r="http://schemas.openxmlformats.org/officeDocument/2006/relationships">
   <p:cSld>
     <p:spTree>
@@ -10900,8 +11232,8 @@
         </p:nvSpPr>
         <p:spPr>
           <a:xfrm rot="0">
-            <a:off x="4470203" y="5423019"/>
-            <a:ext cx="2534389" cy="286585"/>
+            <a:off x="4470203" y="5432544"/>
+            <a:ext cx="2534389" cy="277060"/>
           </a:xfrm>
           <a:prstGeom prst="rect">
             <a:avLst/>
@@ -10938,8 +11270,8 @@
         </p:nvSpPr>
         <p:spPr>
           <a:xfrm rot="0">
-            <a:off x="4470203" y="5870748"/>
-            <a:ext cx="2534389" cy="286585"/>
+            <a:off x="4470203" y="5880273"/>
+            <a:ext cx="2534389" cy="277060"/>
           </a:xfrm>
           <a:prstGeom prst="rect">
             <a:avLst/>
@@ -10976,8 +11308,8 @@
         </p:nvSpPr>
         <p:spPr>
           <a:xfrm rot="0">
-            <a:off x="4470203" y="6364126"/>
-            <a:ext cx="2534389" cy="286585"/>
+            <a:off x="4470203" y="6373651"/>
+            <a:ext cx="2534389" cy="277060"/>
           </a:xfrm>
           <a:prstGeom prst="rect">
             <a:avLst/>
@@ -11055,8 +11387,8 @@
         </p:nvSpPr>
         <p:spPr>
           <a:xfrm rot="0">
-            <a:off x="9280843" y="6174929"/>
-            <a:ext cx="2534389" cy="286585"/>
+            <a:off x="9280843" y="6184454"/>
+            <a:ext cx="2534389" cy="277060"/>
           </a:xfrm>
           <a:prstGeom prst="rect">
             <a:avLst/>
@@ -11093,8 +11425,8 @@
         </p:nvSpPr>
         <p:spPr>
           <a:xfrm rot="0">
-            <a:off x="9280843" y="6624214"/>
-            <a:ext cx="2534389" cy="286585"/>
+            <a:off x="9280843" y="6633739"/>
+            <a:ext cx="2534389" cy="277060"/>
           </a:xfrm>
           <a:prstGeom prst="rect">
             <a:avLst/>
@@ -11131,8 +11463,8 @@
         </p:nvSpPr>
         <p:spPr>
           <a:xfrm rot="0">
-            <a:off x="9280843" y="7072724"/>
-            <a:ext cx="2534389" cy="286585"/>
+            <a:off x="9280843" y="7082249"/>
+            <a:ext cx="2534389" cy="277060"/>
           </a:xfrm>
           <a:prstGeom prst="rect">
             <a:avLst/>
@@ -11210,8 +11542,8 @@
         </p:nvSpPr>
         <p:spPr>
           <a:xfrm rot="0">
-            <a:off x="13256422" y="4850266"/>
-            <a:ext cx="2534389" cy="286585"/>
+            <a:off x="13256422" y="4859791"/>
+            <a:ext cx="2534389" cy="277060"/>
           </a:xfrm>
           <a:prstGeom prst="rect">
             <a:avLst/>
@@ -11248,8 +11580,8 @@
         </p:nvSpPr>
         <p:spPr>
           <a:xfrm rot="0">
-            <a:off x="13256422" y="5298776"/>
-            <a:ext cx="2534389" cy="286585"/>
+            <a:off x="13256422" y="5308301"/>
+            <a:ext cx="2534389" cy="277060"/>
           </a:xfrm>
           <a:prstGeom prst="rect">
             <a:avLst/>
@@ -11338,8 +11670,8 @@
         </p:nvSpPr>
         <p:spPr>
           <a:xfrm rot="0">
-            <a:off x="1960227" y="2881366"/>
-            <a:ext cx="8187907" cy="373093"/>
+            <a:off x="1960227" y="2890891"/>
+            <a:ext cx="8187907" cy="363568"/>
           </a:xfrm>
           <a:prstGeom prst="rect">
             <a:avLst/>
@@ -12121,8 +12453,8 @@
         </p:nvSpPr>
         <p:spPr>
           <a:xfrm rot="0">
-            <a:off x="4470203" y="5423019"/>
-            <a:ext cx="2534389" cy="286585"/>
+            <a:off x="4470203" y="5432544"/>
+            <a:ext cx="2534389" cy="277060"/>
           </a:xfrm>
           <a:prstGeom prst="rect">
             <a:avLst/>
@@ -12159,8 +12491,8 @@
         </p:nvSpPr>
         <p:spPr>
           <a:xfrm rot="0">
-            <a:off x="4470203" y="5870748"/>
-            <a:ext cx="2534389" cy="286585"/>
+            <a:off x="4470203" y="5880273"/>
+            <a:ext cx="2534389" cy="277060"/>
           </a:xfrm>
           <a:prstGeom prst="rect">
             <a:avLst/>
@@ -12197,8 +12529,8 @@
         </p:nvSpPr>
         <p:spPr>
           <a:xfrm rot="0">
-            <a:off x="4470203" y="6364126"/>
-            <a:ext cx="2534389" cy="286585"/>
+            <a:off x="4470203" y="6373651"/>
+            <a:ext cx="2534389" cy="277060"/>
           </a:xfrm>
           <a:prstGeom prst="rect">
             <a:avLst/>
@@ -12276,8 +12608,8 @@
         </p:nvSpPr>
         <p:spPr>
           <a:xfrm rot="0">
-            <a:off x="9280843" y="6174929"/>
-            <a:ext cx="2534389" cy="286585"/>
+            <a:off x="9280843" y="6184454"/>
+            <a:ext cx="2534389" cy="277060"/>
           </a:xfrm>
           <a:prstGeom prst="rect">
             <a:avLst/>
@@ -12314,8 +12646,8 @@
         </p:nvSpPr>
         <p:spPr>
           <a:xfrm rot="0">
-            <a:off x="9280843" y="6624214"/>
-            <a:ext cx="2534389" cy="286585"/>
+            <a:off x="9280843" y="6633739"/>
+            <a:ext cx="2534389" cy="277060"/>
           </a:xfrm>
           <a:prstGeom prst="rect">
             <a:avLst/>
@@ -12352,8 +12684,8 @@
         </p:nvSpPr>
         <p:spPr>
           <a:xfrm rot="0">
-            <a:off x="9280843" y="7072724"/>
-            <a:ext cx="2534389" cy="286585"/>
+            <a:off x="9280843" y="7082249"/>
+            <a:ext cx="2534389" cy="277060"/>
           </a:xfrm>
           <a:prstGeom prst="rect">
             <a:avLst/>
